--- a/module1/Module1.pptx
+++ b/module1/Module1.pptx
@@ -334,7 +334,7 @@
           <a:p>
             <a:fld id="{9D3D7800-DB7A-4180-B244-216606443E4F}" type="datetimeFigureOut">
               <a:rPr lang="en-IN" smtClean="0"/>
-              <a:t>18-12-2021</a:t>
+              <a:t>20-12-2021</a:t>
             </a:fld>
             <a:endParaRPr lang="en-IN"/>
           </a:p>
@@ -521,7 +521,7 @@
           <a:p>
             <a:fld id="{9D3D7800-DB7A-4180-B244-216606443E4F}" type="datetimeFigureOut">
               <a:rPr lang="en-IN" smtClean="0"/>
-              <a:t>18-12-2021</a:t>
+              <a:t>20-12-2021</a:t>
             </a:fld>
             <a:endParaRPr lang="en-IN"/>
           </a:p>
@@ -696,7 +696,7 @@
           <a:p>
             <a:fld id="{9D3D7800-DB7A-4180-B244-216606443E4F}" type="datetimeFigureOut">
               <a:rPr lang="en-IN" smtClean="0"/>
-              <a:t>18-12-2021</a:t>
+              <a:t>20-12-2021</a:t>
             </a:fld>
             <a:endParaRPr lang="en-IN"/>
           </a:p>
@@ -876,7 +876,7 @@
           <a:p>
             <a:fld id="{9D3D7800-DB7A-4180-B244-216606443E4F}" type="datetimeFigureOut">
               <a:rPr lang="en-IN" smtClean="0"/>
-              <a:t>18-12-2021</a:t>
+              <a:t>20-12-2021</a:t>
             </a:fld>
             <a:endParaRPr lang="en-IN"/>
           </a:p>
@@ -1123,7 +1123,7 @@
           <a:p>
             <a:fld id="{9D3D7800-DB7A-4180-B244-216606443E4F}" type="datetimeFigureOut">
               <a:rPr lang="en-IN" smtClean="0"/>
-              <a:t>18-12-2021</a:t>
+              <a:t>20-12-2021</a:t>
             </a:fld>
             <a:endParaRPr lang="en-IN"/>
           </a:p>
@@ -1597,7 +1597,7 @@
           <a:p>
             <a:fld id="{9D3D7800-DB7A-4180-B244-216606443E4F}" type="datetimeFigureOut">
               <a:rPr lang="en-IN" smtClean="0"/>
-              <a:t>18-12-2021</a:t>
+              <a:t>20-12-2021</a:t>
             </a:fld>
             <a:endParaRPr lang="en-IN"/>
           </a:p>
@@ -2012,7 +2012,7 @@
           <a:p>
             <a:fld id="{9D3D7800-DB7A-4180-B244-216606443E4F}" type="datetimeFigureOut">
               <a:rPr lang="en-IN" smtClean="0"/>
-              <a:t>18-12-2021</a:t>
+              <a:t>20-12-2021</a:t>
             </a:fld>
             <a:endParaRPr lang="en-IN"/>
           </a:p>
@@ -2143,7 +2143,7 @@
           <a:p>
             <a:fld id="{9D3D7800-DB7A-4180-B244-216606443E4F}" type="datetimeFigureOut">
               <a:rPr lang="en-IN" smtClean="0"/>
-              <a:t>18-12-2021</a:t>
+              <a:t>20-12-2021</a:t>
             </a:fld>
             <a:endParaRPr lang="en-IN"/>
           </a:p>
@@ -2238,7 +2238,7 @@
           <a:p>
             <a:fld id="{9D3D7800-DB7A-4180-B244-216606443E4F}" type="datetimeFigureOut">
               <a:rPr lang="en-IN" smtClean="0"/>
-              <a:t>18-12-2021</a:t>
+              <a:t>20-12-2021</a:t>
             </a:fld>
             <a:endParaRPr lang="en-IN"/>
           </a:p>
@@ -2516,7 +2516,7 @@
           <a:p>
             <a:fld id="{9D3D7800-DB7A-4180-B244-216606443E4F}" type="datetimeFigureOut">
               <a:rPr lang="en-IN" smtClean="0"/>
-              <a:t>18-12-2021</a:t>
+              <a:t>20-12-2021</a:t>
             </a:fld>
             <a:endParaRPr lang="en-IN"/>
           </a:p>
@@ -2768,7 +2768,7 @@
           <a:p>
             <a:fld id="{9D3D7800-DB7A-4180-B244-216606443E4F}" type="datetimeFigureOut">
               <a:rPr lang="en-IN" smtClean="0"/>
-              <a:t>18-12-2021</a:t>
+              <a:t>20-12-2021</a:t>
             </a:fld>
             <a:endParaRPr lang="en-IN"/>
           </a:p>
@@ -3140,7 +3140,7 @@
           <a:p>
             <a:fld id="{9D3D7800-DB7A-4180-B244-216606443E4F}" type="datetimeFigureOut">
               <a:rPr lang="en-IN" smtClean="0"/>
-              <a:t>18-12-2021</a:t>
+              <a:t>20-12-2021</a:t>
             </a:fld>
             <a:endParaRPr lang="en-IN"/>
           </a:p>

--- a/module1/Module1.pptx
+++ b/module1/Module1.pptx
@@ -334,7 +334,7 @@
           <a:p>
             <a:fld id="{9D3D7800-DB7A-4180-B244-216606443E4F}" type="datetimeFigureOut">
               <a:rPr lang="en-IN" smtClean="0"/>
-              <a:t>20-12-2021</a:t>
+              <a:t>21-12-2021</a:t>
             </a:fld>
             <a:endParaRPr lang="en-IN"/>
           </a:p>
@@ -521,7 +521,7 @@
           <a:p>
             <a:fld id="{9D3D7800-DB7A-4180-B244-216606443E4F}" type="datetimeFigureOut">
               <a:rPr lang="en-IN" smtClean="0"/>
-              <a:t>20-12-2021</a:t>
+              <a:t>21-12-2021</a:t>
             </a:fld>
             <a:endParaRPr lang="en-IN"/>
           </a:p>
@@ -696,7 +696,7 @@
           <a:p>
             <a:fld id="{9D3D7800-DB7A-4180-B244-216606443E4F}" type="datetimeFigureOut">
               <a:rPr lang="en-IN" smtClean="0"/>
-              <a:t>20-12-2021</a:t>
+              <a:t>21-12-2021</a:t>
             </a:fld>
             <a:endParaRPr lang="en-IN"/>
           </a:p>
@@ -876,7 +876,7 @@
           <a:p>
             <a:fld id="{9D3D7800-DB7A-4180-B244-216606443E4F}" type="datetimeFigureOut">
               <a:rPr lang="en-IN" smtClean="0"/>
-              <a:t>20-12-2021</a:t>
+              <a:t>21-12-2021</a:t>
             </a:fld>
             <a:endParaRPr lang="en-IN"/>
           </a:p>
@@ -1123,7 +1123,7 @@
           <a:p>
             <a:fld id="{9D3D7800-DB7A-4180-B244-216606443E4F}" type="datetimeFigureOut">
               <a:rPr lang="en-IN" smtClean="0"/>
-              <a:t>20-12-2021</a:t>
+              <a:t>21-12-2021</a:t>
             </a:fld>
             <a:endParaRPr lang="en-IN"/>
           </a:p>
@@ -1597,7 +1597,7 @@
           <a:p>
             <a:fld id="{9D3D7800-DB7A-4180-B244-216606443E4F}" type="datetimeFigureOut">
               <a:rPr lang="en-IN" smtClean="0"/>
-              <a:t>20-12-2021</a:t>
+              <a:t>21-12-2021</a:t>
             </a:fld>
             <a:endParaRPr lang="en-IN"/>
           </a:p>
@@ -2012,7 +2012,7 @@
           <a:p>
             <a:fld id="{9D3D7800-DB7A-4180-B244-216606443E4F}" type="datetimeFigureOut">
               <a:rPr lang="en-IN" smtClean="0"/>
-              <a:t>20-12-2021</a:t>
+              <a:t>21-12-2021</a:t>
             </a:fld>
             <a:endParaRPr lang="en-IN"/>
           </a:p>
@@ -2143,7 +2143,7 @@
           <a:p>
             <a:fld id="{9D3D7800-DB7A-4180-B244-216606443E4F}" type="datetimeFigureOut">
               <a:rPr lang="en-IN" smtClean="0"/>
-              <a:t>20-12-2021</a:t>
+              <a:t>21-12-2021</a:t>
             </a:fld>
             <a:endParaRPr lang="en-IN"/>
           </a:p>
@@ -2238,7 +2238,7 @@
           <a:p>
             <a:fld id="{9D3D7800-DB7A-4180-B244-216606443E4F}" type="datetimeFigureOut">
               <a:rPr lang="en-IN" smtClean="0"/>
-              <a:t>20-12-2021</a:t>
+              <a:t>21-12-2021</a:t>
             </a:fld>
             <a:endParaRPr lang="en-IN"/>
           </a:p>
@@ -2516,7 +2516,7 @@
           <a:p>
             <a:fld id="{9D3D7800-DB7A-4180-B244-216606443E4F}" type="datetimeFigureOut">
               <a:rPr lang="en-IN" smtClean="0"/>
-              <a:t>20-12-2021</a:t>
+              <a:t>21-12-2021</a:t>
             </a:fld>
             <a:endParaRPr lang="en-IN"/>
           </a:p>
@@ -2768,7 +2768,7 @@
           <a:p>
             <a:fld id="{9D3D7800-DB7A-4180-B244-216606443E4F}" type="datetimeFigureOut">
               <a:rPr lang="en-IN" smtClean="0"/>
-              <a:t>20-12-2021</a:t>
+              <a:t>21-12-2021</a:t>
             </a:fld>
             <a:endParaRPr lang="en-IN"/>
           </a:p>
@@ -3140,7 +3140,7 @@
           <a:p>
             <a:fld id="{9D3D7800-DB7A-4180-B244-216606443E4F}" type="datetimeFigureOut">
               <a:rPr lang="en-IN" smtClean="0"/>
-              <a:t>20-12-2021</a:t>
+              <a:t>21-12-2021</a:t>
             </a:fld>
             <a:endParaRPr lang="en-IN"/>
           </a:p>
